--- a/プレゼンテーション2.pptx
+++ b/プレゼンテーション2.pptx
@@ -109,6 +109,11 @@
       </a:defRPr>
     </a:lvl9pPr>
   </p:defaultTextStyle>
+  <p:extLst>
+    <p:ext uri="{EFAFB233-063F-42B5-8137-9DF3F51BA10A}">
+      <p15:sldGuideLst xmlns:p15="http://schemas.microsoft.com/office/powerpoint/2012/main"/>
+    </p:ext>
+  </p:extLst>
 </p:presentation>
 </file>
 
@@ -259,7 +264,7 @@
           <a:p>
             <a:fld id="{387F4A2D-DD4E-6645-9A24-287FB9F533FB}" type="datetimeFigureOut">
               <a:rPr kumimoji="1" lang="ja-JP" altLang="en-US" smtClean="0"/>
-              <a:t>2025/9/25</a:t>
+              <a:t>2025/9/26</a:t>
             </a:fld>
             <a:endParaRPr kumimoji="1" lang="ja-JP" altLang="en-US"/>
           </a:p>
@@ -489,7 +494,7 @@
           <a:p>
             <a:fld id="{387F4A2D-DD4E-6645-9A24-287FB9F533FB}" type="datetimeFigureOut">
               <a:rPr kumimoji="1" lang="ja-JP" altLang="en-US" smtClean="0"/>
-              <a:t>2025/9/25</a:t>
+              <a:t>2025/9/26</a:t>
             </a:fld>
             <a:endParaRPr kumimoji="1" lang="ja-JP" altLang="en-US"/>
           </a:p>
@@ -729,7 +734,7 @@
           <a:p>
             <a:fld id="{387F4A2D-DD4E-6645-9A24-287FB9F533FB}" type="datetimeFigureOut">
               <a:rPr kumimoji="1" lang="ja-JP" altLang="en-US" smtClean="0"/>
-              <a:t>2025/9/25</a:t>
+              <a:t>2025/9/26</a:t>
             </a:fld>
             <a:endParaRPr kumimoji="1" lang="ja-JP" altLang="en-US"/>
           </a:p>
@@ -959,7 +964,7 @@
           <a:p>
             <a:fld id="{387F4A2D-DD4E-6645-9A24-287FB9F533FB}" type="datetimeFigureOut">
               <a:rPr kumimoji="1" lang="ja-JP" altLang="en-US" smtClean="0"/>
-              <a:t>2025/9/25</a:t>
+              <a:t>2025/9/26</a:t>
             </a:fld>
             <a:endParaRPr kumimoji="1" lang="ja-JP" altLang="en-US"/>
           </a:p>
@@ -1234,7 +1239,7 @@
           <a:p>
             <a:fld id="{387F4A2D-DD4E-6645-9A24-287FB9F533FB}" type="datetimeFigureOut">
               <a:rPr kumimoji="1" lang="ja-JP" altLang="en-US" smtClean="0"/>
-              <a:t>2025/9/25</a:t>
+              <a:t>2025/9/26</a:t>
             </a:fld>
             <a:endParaRPr kumimoji="1" lang="ja-JP" altLang="en-US"/>
           </a:p>
@@ -1563,7 +1568,7 @@
           <a:p>
             <a:fld id="{387F4A2D-DD4E-6645-9A24-287FB9F533FB}" type="datetimeFigureOut">
               <a:rPr kumimoji="1" lang="ja-JP" altLang="en-US" smtClean="0"/>
-              <a:t>2025/9/25</a:t>
+              <a:t>2025/9/26</a:t>
             </a:fld>
             <a:endParaRPr kumimoji="1" lang="ja-JP" altLang="en-US"/>
           </a:p>
@@ -2039,7 +2044,7 @@
           <a:p>
             <a:fld id="{387F4A2D-DD4E-6645-9A24-287FB9F533FB}" type="datetimeFigureOut">
               <a:rPr kumimoji="1" lang="ja-JP" altLang="en-US" smtClean="0"/>
-              <a:t>2025/9/25</a:t>
+              <a:t>2025/9/26</a:t>
             </a:fld>
             <a:endParaRPr kumimoji="1" lang="ja-JP" altLang="en-US"/>
           </a:p>
@@ -2180,7 +2185,7 @@
           <a:p>
             <a:fld id="{387F4A2D-DD4E-6645-9A24-287FB9F533FB}" type="datetimeFigureOut">
               <a:rPr kumimoji="1" lang="ja-JP" altLang="en-US" smtClean="0"/>
-              <a:t>2025/9/25</a:t>
+              <a:t>2025/9/26</a:t>
             </a:fld>
             <a:endParaRPr kumimoji="1" lang="ja-JP" altLang="en-US"/>
           </a:p>
@@ -2293,7 +2298,7 @@
           <a:p>
             <a:fld id="{387F4A2D-DD4E-6645-9A24-287FB9F533FB}" type="datetimeFigureOut">
               <a:rPr kumimoji="1" lang="ja-JP" altLang="en-US" smtClean="0"/>
-              <a:t>2025/9/25</a:t>
+              <a:t>2025/9/26</a:t>
             </a:fld>
             <a:endParaRPr kumimoji="1" lang="ja-JP" altLang="en-US"/>
           </a:p>
@@ -2636,7 +2641,7 @@
           <a:p>
             <a:fld id="{387F4A2D-DD4E-6645-9A24-287FB9F533FB}" type="datetimeFigureOut">
               <a:rPr kumimoji="1" lang="ja-JP" altLang="en-US" smtClean="0"/>
-              <a:t>2025/9/25</a:t>
+              <a:t>2025/9/26</a:t>
             </a:fld>
             <a:endParaRPr kumimoji="1" lang="ja-JP" altLang="en-US"/>
           </a:p>
@@ -2924,7 +2929,7 @@
           <a:p>
             <a:fld id="{387F4A2D-DD4E-6645-9A24-287FB9F533FB}" type="datetimeFigureOut">
               <a:rPr kumimoji="1" lang="ja-JP" altLang="en-US" smtClean="0"/>
-              <a:t>2025/9/25</a:t>
+              <a:t>2025/9/26</a:t>
             </a:fld>
             <a:endParaRPr kumimoji="1" lang="ja-JP" altLang="en-US"/>
           </a:p>
@@ -3197,7 +3202,7 @@
           <a:p>
             <a:fld id="{387F4A2D-DD4E-6645-9A24-287FB9F533FB}" type="datetimeFigureOut">
               <a:rPr kumimoji="1" lang="ja-JP" altLang="en-US" smtClean="0"/>
-              <a:t>2025/9/25</a:t>
+              <a:t>2025/9/26</a:t>
             </a:fld>
             <a:endParaRPr kumimoji="1" lang="ja-JP" altLang="en-US"/>
           </a:p>
@@ -3769,7 +3774,12 @@
             <p:ph idx="1"/>
           </p:nvPr>
         </p:nvSpPr>
-        <p:spPr/>
+        <p:spPr>
+          <a:xfrm>
+            <a:off x="838200" y="1825625"/>
+            <a:ext cx="10515600" cy="596941"/>
+          </a:xfrm>
+        </p:spPr>
         <p:txBody>
           <a:bodyPr/>
           <a:lstStyle/>
@@ -3778,6 +3788,49 @@
               <a:rPr kumimoji="1" lang="ja-JP" altLang="en-US"/>
               <a:t>本検索サービス</a:t>
             </a:r>
+          </a:p>
+        </p:txBody>
+      </p:sp>
+      <p:sp>
+        <p:nvSpPr>
+          <p:cNvPr id="5" name="テキスト ボックス 4">
+            <a:extLst>
+              <a:ext uri="{FF2B5EF4-FFF2-40B4-BE49-F238E27FC236}">
+                <a16:creationId xmlns:a16="http://schemas.microsoft.com/office/drawing/2014/main" id="{7253655E-2ED2-CD38-51D4-0E8E3AE43F95}"/>
+              </a:ext>
+            </a:extLst>
+          </p:cNvPr>
+          <p:cNvSpPr txBox="1"/>
+          <p:nvPr/>
+        </p:nvSpPr>
+        <p:spPr>
+          <a:xfrm>
+            <a:off x="1330036" y="2648198"/>
+            <a:ext cx="3416320" cy="646331"/>
+          </a:xfrm>
+          <a:prstGeom prst="rect">
+            <a:avLst/>
+          </a:prstGeom>
+          <a:noFill/>
+        </p:spPr>
+        <p:txBody>
+          <a:bodyPr wrap="none" rtlCol="0">
+            <a:spAutoFit/>
+          </a:bodyPr>
+          <a:lstStyle/>
+          <a:p>
+            <a:r>
+              <a:rPr kumimoji="1" lang="ja-JP" altLang="en-US"/>
+              <a:t>・キーワード検索</a:t>
+            </a:r>
+            <a:endParaRPr kumimoji="1" lang="en-US" altLang="ja-JP" dirty="0"/>
+          </a:p>
+          <a:p>
+            <a:r>
+              <a:rPr lang="ja-JP" altLang="en-US"/>
+              <a:t>・内容、作風、展開等での検索</a:t>
+            </a:r>
+            <a:endParaRPr kumimoji="1" lang="ja-JP" altLang="en-US"/>
           </a:p>
         </p:txBody>
       </p:sp>
@@ -4559,7 +4612,7 @@
                   <a:schemeClr val="tx1"/>
                 </a:solidFill>
               </a:rPr>
-              <a:t>・ドラマ等は見るので好きなジャンルはある。</a:t>
+              <a:t>・ドラマ等は見るので好きなジャンルや展開等ある。</a:t>
             </a:r>
             <a:endParaRPr lang="en-US" altLang="ja-JP" sz="1400" dirty="0">
               <a:solidFill>
@@ -4569,20 +4622,27 @@
           </a:p>
           <a:p>
             <a:r>
-              <a:rPr kumimoji="1" lang="ja-JP" altLang="en-US">
-                <a:solidFill>
-                  <a:schemeClr val="tx1"/>
-                </a:solidFill>
-              </a:rPr>
-              <a:t>・</a:t>
-            </a:r>
-            <a:r>
               <a:rPr lang="ja-JP" altLang="en-US" sz="1400">
                 <a:solidFill>
                   <a:schemeClr val="tx1"/>
                 </a:solidFill>
               </a:rPr>
-              <a:t>本を読むことで会話のネタも増やしたい。</a:t>
+              <a:t>・本を読むことで会話のネタも増やしたい。</a:t>
+            </a:r>
+            <a:endParaRPr lang="en-US" altLang="ja-JP" sz="1400" dirty="0">
+              <a:solidFill>
+                <a:schemeClr val="tx1"/>
+              </a:solidFill>
+            </a:endParaRPr>
+          </a:p>
+          <a:p>
+            <a:r>
+              <a:rPr kumimoji="1" lang="ja-JP" altLang="en-US" sz="1400">
+                <a:solidFill>
+                  <a:schemeClr val="tx1"/>
+                </a:solidFill>
+              </a:rPr>
+              <a:t>・好みに合わない本を読んで時間を無駄にしたくない。</a:t>
             </a:r>
             <a:endParaRPr kumimoji="1" lang="en-US" altLang="ja-JP" sz="1400" dirty="0">
               <a:solidFill>
@@ -4762,6 +4822,42 @@
                 <a:ea typeface="游ゴシック" panose="020B0400000000000000" pitchFamily="34" charset="-128"/>
               </a:rPr>
               <a:t>・ジャンルからも有名な作品を知れること。</a:t>
+            </a:r>
+            <a:endParaRPr lang="en-US" altLang="ja-JP" sz="1400" dirty="0">
+              <a:solidFill>
+                <a:prstClr val="black"/>
+              </a:solidFill>
+              <a:latin typeface="游ゴシック" panose="02110004020202020204"/>
+              <a:ea typeface="游ゴシック" panose="020B0400000000000000" pitchFamily="34" charset="-128"/>
+            </a:endParaRPr>
+          </a:p>
+          <a:p>
+            <a:pPr marL="0" marR="0" lvl="0" indent="0" algn="l" defTabSz="914400" rtl="0" eaLnBrk="1" fontAlgn="auto" latinLnBrk="0" hangingPunct="1">
+              <a:lnSpc>
+                <a:spcPct val="100000"/>
+              </a:lnSpc>
+              <a:spcBef>
+                <a:spcPts val="0"/>
+              </a:spcBef>
+              <a:spcAft>
+                <a:spcPts val="0"/>
+              </a:spcAft>
+              <a:buClrTx/>
+              <a:buSzTx/>
+              <a:buFontTx/>
+              <a:buNone/>
+              <a:tabLst/>
+              <a:defRPr/>
+            </a:pPr>
+            <a:r>
+              <a:rPr kumimoji="1" lang="ja-JP" altLang="en-US" sz="1400">
+                <a:solidFill>
+                  <a:prstClr val="black"/>
+                </a:solidFill>
+                <a:latin typeface="游ゴシック" panose="02110004020202020204"/>
+                <a:ea typeface="游ゴシック" panose="020B0400000000000000" pitchFamily="34" charset="-128"/>
+              </a:rPr>
+              <a:t>・作風など、曖昧な文章からも検索できること。</a:t>
             </a:r>
             <a:endParaRPr kumimoji="1" lang="en-US" altLang="ja-JP" sz="1400" dirty="0">
               <a:solidFill>
@@ -4844,7 +4940,7 @@
         </p:nvSpPr>
         <p:spPr>
           <a:xfrm>
-            <a:off x="8081551" y="4581494"/>
+            <a:off x="9632425" y="4593369"/>
             <a:ext cx="1567543" cy="1235034"/>
           </a:xfrm>
           <a:prstGeom prst="roundRect">
@@ -4908,7 +5004,7 @@
         </p:blipFill>
         <p:spPr>
           <a:xfrm>
-            <a:off x="2092236" y="3157184"/>
+            <a:off x="353859" y="3184629"/>
             <a:ext cx="914400" cy="914400"/>
           </a:xfrm>
           <a:prstGeom prst="rect">
@@ -4930,7 +5026,7 @@
         </p:nvSpPr>
         <p:spPr>
           <a:xfrm>
-            <a:off x="4898570" y="3095121"/>
+            <a:off x="3136132" y="3106996"/>
             <a:ext cx="1567543" cy="1235034"/>
           </a:xfrm>
           <a:prstGeom prst="roundRect">
@@ -4994,7 +5090,7 @@
         </p:blipFill>
         <p:spPr>
           <a:xfrm>
-            <a:off x="7450181" y="1371697"/>
+            <a:off x="9001055" y="1383572"/>
             <a:ext cx="1567542" cy="1567542"/>
           </a:xfrm>
           <a:prstGeom prst="rect">
@@ -5030,7 +5126,7 @@
         </p:blipFill>
         <p:spPr>
           <a:xfrm>
-            <a:off x="8865323" y="2013080"/>
+            <a:off x="10343978" y="1679126"/>
             <a:ext cx="929641" cy="929641"/>
           </a:xfrm>
           <a:prstGeom prst="rect">
@@ -5066,7 +5162,7 @@
         </p:blipFill>
         <p:spPr>
           <a:xfrm>
-            <a:off x="9017723" y="2165480"/>
+            <a:off x="10496378" y="1831526"/>
             <a:ext cx="929641" cy="929641"/>
           </a:xfrm>
           <a:prstGeom prst="rect">
@@ -5102,7 +5198,7 @@
         </p:blipFill>
         <p:spPr>
           <a:xfrm>
-            <a:off x="9170123" y="2370923"/>
+            <a:off x="10648778" y="2036969"/>
             <a:ext cx="929641" cy="929641"/>
           </a:xfrm>
           <a:prstGeom prst="rect">
@@ -5112,10 +5208,10 @@
       </p:pic>
       <p:sp>
         <p:nvSpPr>
-          <p:cNvPr id="15" name="テキスト ボックス 14">
-            <a:extLst>
-              <a:ext uri="{FF2B5EF4-FFF2-40B4-BE49-F238E27FC236}">
-                <a16:creationId xmlns:a16="http://schemas.microsoft.com/office/drawing/2014/main" id="{E09CDFDC-36D4-5235-97C9-0DDA2B7FC492}"/>
+          <p:cNvPr id="16" name="テキスト ボックス 15">
+            <a:extLst>
+              <a:ext uri="{FF2B5EF4-FFF2-40B4-BE49-F238E27FC236}">
+                <a16:creationId xmlns:a16="http://schemas.microsoft.com/office/drawing/2014/main" id="{66B93CBB-C7E6-96B4-59ED-6C0CE32EA476}"/>
               </a:ext>
             </a:extLst>
           </p:cNvPr>
@@ -5124,8 +5220,8 @@
         </p:nvSpPr>
         <p:spPr>
           <a:xfrm>
-            <a:off x="8809866" y="1616752"/>
-            <a:ext cx="1192955" cy="369332"/>
+            <a:off x="9409517" y="1253444"/>
+            <a:ext cx="1567543" cy="369332"/>
           </a:xfrm>
           <a:prstGeom prst="rect">
             <a:avLst/>
@@ -5133,48 +5229,16 @@
           <a:noFill/>
         </p:spPr>
         <p:txBody>
-          <a:bodyPr wrap="none" rtlCol="0">
-            <a:spAutoFit/>
-          </a:bodyPr>
-          <a:lstStyle/>
-          <a:p>
-            <a:r>
-              <a:rPr kumimoji="1" lang="en-US" altLang="ja-JP" dirty="0" err="1"/>
-              <a:t>wikipedia</a:t>
-            </a:r>
-            <a:endParaRPr kumimoji="1" lang="ja-JP" altLang="en-US"/>
-          </a:p>
-        </p:txBody>
-      </p:sp>
-      <p:sp>
-        <p:nvSpPr>
-          <p:cNvPr id="16" name="テキスト ボックス 15">
-            <a:extLst>
-              <a:ext uri="{FF2B5EF4-FFF2-40B4-BE49-F238E27FC236}">
-                <a16:creationId xmlns:a16="http://schemas.microsoft.com/office/drawing/2014/main" id="{66B93CBB-C7E6-96B4-59ED-6C0CE32EA476}"/>
-              </a:ext>
-            </a:extLst>
-          </p:cNvPr>
-          <p:cNvSpPr txBox="1"/>
-          <p:nvPr/>
-        </p:nvSpPr>
-        <p:spPr>
-          <a:xfrm>
-            <a:off x="7961930" y="2835743"/>
-            <a:ext cx="738051" cy="369332"/>
-          </a:xfrm>
-          <a:prstGeom prst="rect">
-            <a:avLst/>
-          </a:prstGeom>
-          <a:noFill/>
-        </p:spPr>
-        <p:txBody>
           <a:bodyPr wrap="square" rtlCol="0">
             <a:spAutoFit/>
           </a:bodyPr>
           <a:lstStyle/>
           <a:p>
             <a:r>
+              <a:rPr kumimoji="1" lang="ja-JP" altLang="en-US"/>
+              <a:t>ベクトル</a:t>
+            </a:r>
+            <a:r>
               <a:rPr kumimoji="1" lang="en-US" altLang="ja-JP" dirty="0"/>
               <a:t>DB</a:t>
             </a:r>
@@ -5196,7 +5260,7 @@
         </p:nvSpPr>
         <p:spPr>
           <a:xfrm>
-            <a:off x="2081352" y="4071584"/>
+            <a:off x="342975" y="4099029"/>
             <a:ext cx="877163" cy="369332"/>
           </a:xfrm>
           <a:prstGeom prst="rect">
@@ -5231,7 +5295,7 @@
         </p:nvSpPr>
         <p:spPr>
           <a:xfrm>
-            <a:off x="3311323" y="3397606"/>
+            <a:off x="1572946" y="3425051"/>
             <a:ext cx="1234440" cy="271816"/>
           </a:xfrm>
           <a:prstGeom prst="rightArrow">
@@ -5286,7 +5350,7 @@
         </p:nvSpPr>
         <p:spPr>
           <a:xfrm rot="10800000">
-            <a:off x="3287262" y="3799768"/>
+            <a:off x="1548885" y="3827213"/>
             <a:ext cx="1234440" cy="271816"/>
           </a:xfrm>
           <a:prstGeom prst="rightArrow">
@@ -5341,7 +5405,7 @@
         </p:nvSpPr>
         <p:spPr>
           <a:xfrm rot="12731643">
-            <a:off x="6609582" y="4554770"/>
+            <a:off x="8160456" y="4566645"/>
             <a:ext cx="1234440" cy="271816"/>
           </a:xfrm>
           <a:prstGeom prst="rightArrow">
@@ -5396,7 +5460,7 @@
         </p:nvSpPr>
         <p:spPr>
           <a:xfrm rot="1954400">
-            <a:off x="6762576" y="4194247"/>
+            <a:off x="8313450" y="4206122"/>
             <a:ext cx="1234440" cy="271816"/>
           </a:xfrm>
           <a:prstGeom prst="rightArrow">
@@ -5451,7 +5515,7 @@
         </p:nvSpPr>
         <p:spPr>
           <a:xfrm rot="8606705">
-            <a:off x="6426758" y="2801514"/>
+            <a:off x="7977632" y="2813389"/>
             <a:ext cx="1234440" cy="271816"/>
           </a:xfrm>
           <a:prstGeom prst="rightArrow">
@@ -5506,7 +5570,7 @@
         </p:nvSpPr>
         <p:spPr>
           <a:xfrm rot="19524758">
-            <a:off x="6325492" y="2375907"/>
+            <a:off x="7876366" y="2387782"/>
             <a:ext cx="1234440" cy="271816"/>
           </a:xfrm>
           <a:prstGeom prst="rightArrow">
@@ -5561,7 +5625,7 @@
         </p:nvSpPr>
         <p:spPr>
           <a:xfrm>
-            <a:off x="3196595" y="3035798"/>
+            <a:off x="1458218" y="3063243"/>
             <a:ext cx="1415772" cy="338554"/>
           </a:xfrm>
           <a:prstGeom prst="rect">
@@ -5576,9 +5640,41 @@
           <a:lstStyle/>
           <a:p>
             <a:r>
-              <a:rPr lang="en-US" altLang="ja-JP" sz="1600" dirty="0"/>
-              <a:t>①</a:t>
-            </a:r>
+              <a:rPr lang="ja-JP" altLang="en-US" sz="1600"/>
+              <a:t>キーワード等</a:t>
+            </a:r>
+            <a:endParaRPr kumimoji="1" lang="ja-JP" altLang="en-US" sz="1600"/>
+          </a:p>
+        </p:txBody>
+      </p:sp>
+      <p:sp>
+        <p:nvSpPr>
+          <p:cNvPr id="25" name="テキスト ボックス 24">
+            <a:extLst>
+              <a:ext uri="{FF2B5EF4-FFF2-40B4-BE49-F238E27FC236}">
+                <a16:creationId xmlns:a16="http://schemas.microsoft.com/office/drawing/2014/main" id="{7E95318E-1FDC-E67E-9E04-93949A04F664}"/>
+              </a:ext>
+            </a:extLst>
+          </p:cNvPr>
+          <p:cNvSpPr txBox="1"/>
+          <p:nvPr/>
+        </p:nvSpPr>
+        <p:spPr>
+          <a:xfrm>
+            <a:off x="7273072" y="2060288"/>
+            <a:ext cx="1210588" cy="338554"/>
+          </a:xfrm>
+          <a:prstGeom prst="rect">
+            <a:avLst/>
+          </a:prstGeom>
+          <a:noFill/>
+        </p:spPr>
+        <p:txBody>
+          <a:bodyPr wrap="none" rtlCol="0">
+            <a:spAutoFit/>
+          </a:bodyPr>
+          <a:lstStyle/>
+          <a:p>
             <a:r>
               <a:rPr lang="ja-JP" altLang="en-US" sz="1600"/>
               <a:t>キーワード</a:t>
@@ -5589,10 +5685,10 @@
       </p:sp>
       <p:sp>
         <p:nvSpPr>
-          <p:cNvPr id="25" name="テキスト ボックス 24">
-            <a:extLst>
-              <a:ext uri="{FF2B5EF4-FFF2-40B4-BE49-F238E27FC236}">
-                <a16:creationId xmlns:a16="http://schemas.microsoft.com/office/drawing/2014/main" id="{7E95318E-1FDC-E67E-9E04-93949A04F664}"/>
+          <p:cNvPr id="26" name="テキスト ボックス 25">
+            <a:extLst>
+              <a:ext uri="{FF2B5EF4-FFF2-40B4-BE49-F238E27FC236}">
+                <a16:creationId xmlns:a16="http://schemas.microsoft.com/office/drawing/2014/main" id="{0B946448-6801-5F73-A760-E944296069D8}"/>
               </a:ext>
             </a:extLst>
           </p:cNvPr>
@@ -5601,7 +5697,334 @@
         </p:nvSpPr>
         <p:spPr>
           <a:xfrm>
-            <a:off x="5757197" y="2155468"/>
+            <a:off x="8393855" y="3165347"/>
+            <a:ext cx="1826141" cy="338554"/>
+          </a:xfrm>
+          <a:prstGeom prst="rect">
+            <a:avLst/>
+          </a:prstGeom>
+          <a:noFill/>
+        </p:spPr>
+        <p:txBody>
+          <a:bodyPr wrap="none" rtlCol="0">
+            <a:spAutoFit/>
+          </a:bodyPr>
+          <a:lstStyle/>
+          <a:p>
+            <a:r>
+              <a:rPr kumimoji="1" lang="ja-JP" altLang="en-US" sz="1600"/>
+              <a:t>関連ドキュメント</a:t>
+            </a:r>
+          </a:p>
+        </p:txBody>
+      </p:sp>
+      <p:sp>
+        <p:nvSpPr>
+          <p:cNvPr id="27" name="テキスト ボックス 26">
+            <a:extLst>
+              <a:ext uri="{FF2B5EF4-FFF2-40B4-BE49-F238E27FC236}">
+                <a16:creationId xmlns:a16="http://schemas.microsoft.com/office/drawing/2014/main" id="{D60E3EFE-3652-7AC0-86C1-5EAE89164BB2}"/>
+              </a:ext>
+            </a:extLst>
+          </p:cNvPr>
+          <p:cNvSpPr txBox="1"/>
+          <p:nvPr/>
+        </p:nvSpPr>
+        <p:spPr>
+          <a:xfrm>
+            <a:off x="8816088" y="3884691"/>
+            <a:ext cx="2709396" cy="338554"/>
+          </a:xfrm>
+          <a:prstGeom prst="rect">
+            <a:avLst/>
+          </a:prstGeom>
+          <a:noFill/>
+        </p:spPr>
+        <p:txBody>
+          <a:bodyPr wrap="none" rtlCol="0">
+            <a:spAutoFit/>
+          </a:bodyPr>
+          <a:lstStyle/>
+          <a:p>
+            <a:r>
+              <a:rPr lang="ja-JP" altLang="en-US" sz="1600"/>
+              <a:t>キーワード</a:t>
+            </a:r>
+            <a:r>
+              <a:rPr lang="en-US" altLang="ja-JP" sz="1600" dirty="0"/>
+              <a:t> + </a:t>
+            </a:r>
+            <a:r>
+              <a:rPr lang="ja-JP" altLang="en-US" sz="1600"/>
+              <a:t>ドキュメント</a:t>
+            </a:r>
+            <a:endParaRPr kumimoji="1" lang="ja-JP" altLang="en-US" sz="1600"/>
+          </a:p>
+        </p:txBody>
+      </p:sp>
+      <p:sp>
+        <p:nvSpPr>
+          <p:cNvPr id="28" name="テキスト ボックス 27">
+            <a:extLst>
+              <a:ext uri="{FF2B5EF4-FFF2-40B4-BE49-F238E27FC236}">
+                <a16:creationId xmlns:a16="http://schemas.microsoft.com/office/drawing/2014/main" id="{91BC1883-1606-1996-5E97-2DF849380199}"/>
+              </a:ext>
+            </a:extLst>
+          </p:cNvPr>
+          <p:cNvSpPr txBox="1"/>
+          <p:nvPr/>
+        </p:nvSpPr>
+        <p:spPr>
+          <a:xfrm>
+            <a:off x="7492649" y="5112344"/>
+            <a:ext cx="2031325" cy="584775"/>
+          </a:xfrm>
+          <a:prstGeom prst="rect">
+            <a:avLst/>
+          </a:prstGeom>
+          <a:noFill/>
+        </p:spPr>
+        <p:txBody>
+          <a:bodyPr wrap="none" rtlCol="0">
+            <a:spAutoFit/>
+          </a:bodyPr>
+          <a:lstStyle/>
+          <a:p>
+            <a:r>
+              <a:rPr kumimoji="1" lang="ja-JP" altLang="en-US" sz="1600"/>
+              <a:t>おすすめタイトルや</a:t>
+            </a:r>
+            <a:endParaRPr kumimoji="1" lang="en-US" altLang="ja-JP" sz="1600" dirty="0"/>
+          </a:p>
+          <a:p>
+            <a:r>
+              <a:rPr lang="ja-JP" altLang="en-US" sz="1600"/>
+              <a:t>あらすじなど</a:t>
+            </a:r>
+            <a:endParaRPr kumimoji="1" lang="ja-JP" altLang="en-US" sz="1600"/>
+          </a:p>
+        </p:txBody>
+      </p:sp>
+      <p:sp>
+        <p:nvSpPr>
+          <p:cNvPr id="30" name="テキスト ボックス 29">
+            <a:extLst>
+              <a:ext uri="{FF2B5EF4-FFF2-40B4-BE49-F238E27FC236}">
+                <a16:creationId xmlns:a16="http://schemas.microsoft.com/office/drawing/2014/main" id="{35A19516-9CBE-6709-1DF3-F51D3DD9C32A}"/>
+              </a:ext>
+            </a:extLst>
+          </p:cNvPr>
+          <p:cNvSpPr txBox="1"/>
+          <p:nvPr/>
+        </p:nvSpPr>
+        <p:spPr>
+          <a:xfrm>
+            <a:off x="1220138" y="4155997"/>
+            <a:ext cx="2031325" cy="584775"/>
+          </a:xfrm>
+          <a:prstGeom prst="rect">
+            <a:avLst/>
+          </a:prstGeom>
+          <a:noFill/>
+        </p:spPr>
+        <p:txBody>
+          <a:bodyPr wrap="none" rtlCol="0">
+            <a:spAutoFit/>
+          </a:bodyPr>
+          <a:lstStyle/>
+          <a:p>
+            <a:r>
+              <a:rPr lang="ja-JP" altLang="en-US" sz="1600"/>
+              <a:t>おすすめタイトルや</a:t>
+            </a:r>
+            <a:endParaRPr lang="en-US" altLang="ja-JP" sz="1600" dirty="0"/>
+          </a:p>
+          <a:p>
+            <a:r>
+              <a:rPr kumimoji="1" lang="ja-JP" altLang="en-US" sz="1600"/>
+              <a:t>あらすじなど</a:t>
+            </a:r>
+          </a:p>
+        </p:txBody>
+      </p:sp>
+      <p:sp>
+        <p:nvSpPr>
+          <p:cNvPr id="3" name="角丸四角形 2">
+            <a:extLst>
+              <a:ext uri="{FF2B5EF4-FFF2-40B4-BE49-F238E27FC236}">
+                <a16:creationId xmlns:a16="http://schemas.microsoft.com/office/drawing/2014/main" id="{78018392-3BC4-FDBC-E777-54A9659AC016}"/>
+              </a:ext>
+            </a:extLst>
+          </p:cNvPr>
+          <p:cNvSpPr/>
+          <p:nvPr/>
+        </p:nvSpPr>
+        <p:spPr>
+          <a:xfrm>
+            <a:off x="6462566" y="3079350"/>
+            <a:ext cx="1567543" cy="1235034"/>
+          </a:xfrm>
+          <a:prstGeom prst="roundRect">
+            <a:avLst/>
+          </a:prstGeom>
+        </p:spPr>
+        <p:style>
+          <a:lnRef idx="2">
+            <a:schemeClr val="accent1">
+              <a:shade val="15000"/>
+            </a:schemeClr>
+          </a:lnRef>
+          <a:fillRef idx="1">
+            <a:schemeClr val="accent1"/>
+          </a:fillRef>
+          <a:effectRef idx="0">
+            <a:schemeClr val="accent1"/>
+          </a:effectRef>
+          <a:fontRef idx="minor">
+            <a:schemeClr val="lt1"/>
+          </a:fontRef>
+        </p:style>
+        <p:txBody>
+          <a:bodyPr rtlCol="0" anchor="ctr"/>
+          <a:lstStyle/>
+          <a:p>
+            <a:pPr algn="ctr"/>
+            <a:r>
+              <a:rPr kumimoji="1" lang="en-US" altLang="ja-JP" dirty="0"/>
+              <a:t>AI</a:t>
+            </a:r>
+            <a:r>
+              <a:rPr kumimoji="1" lang="ja-JP" altLang="en-US"/>
+              <a:t>エージェント</a:t>
+            </a:r>
+          </a:p>
+        </p:txBody>
+      </p:sp>
+      <p:sp>
+        <p:nvSpPr>
+          <p:cNvPr id="4" name="右矢印 3">
+            <a:extLst>
+              <a:ext uri="{FF2B5EF4-FFF2-40B4-BE49-F238E27FC236}">
+                <a16:creationId xmlns:a16="http://schemas.microsoft.com/office/drawing/2014/main" id="{EAC42F33-AE42-9BC5-2FBA-6EF8434DADEC}"/>
+              </a:ext>
+            </a:extLst>
+          </p:cNvPr>
+          <p:cNvSpPr/>
+          <p:nvPr/>
+        </p:nvSpPr>
+        <p:spPr>
+          <a:xfrm>
+            <a:off x="4953976" y="3425051"/>
+            <a:ext cx="1234440" cy="271816"/>
+          </a:xfrm>
+          <a:prstGeom prst="rightArrow">
+            <a:avLst/>
+          </a:prstGeom>
+          <a:solidFill>
+            <a:schemeClr val="accent6">
+              <a:lumMod val="40000"/>
+              <a:lumOff val="60000"/>
+            </a:schemeClr>
+          </a:solidFill>
+          <a:ln>
+            <a:noFill/>
+          </a:ln>
+        </p:spPr>
+        <p:style>
+          <a:lnRef idx="2">
+            <a:schemeClr val="accent1">
+              <a:shade val="15000"/>
+            </a:schemeClr>
+          </a:lnRef>
+          <a:fillRef idx="1">
+            <a:schemeClr val="accent1"/>
+          </a:fillRef>
+          <a:effectRef idx="0">
+            <a:schemeClr val="accent1"/>
+          </a:effectRef>
+          <a:fontRef idx="minor">
+            <a:schemeClr val="lt1"/>
+          </a:fontRef>
+        </p:style>
+        <p:txBody>
+          <a:bodyPr rtlCol="0" anchor="ctr"/>
+          <a:lstStyle/>
+          <a:p>
+            <a:pPr algn="ctr"/>
+            <a:endParaRPr kumimoji="1" lang="ja-JP" altLang="en-US"/>
+          </a:p>
+        </p:txBody>
+      </p:sp>
+      <p:sp>
+        <p:nvSpPr>
+          <p:cNvPr id="6" name="右矢印 5">
+            <a:extLst>
+              <a:ext uri="{FF2B5EF4-FFF2-40B4-BE49-F238E27FC236}">
+                <a16:creationId xmlns:a16="http://schemas.microsoft.com/office/drawing/2014/main" id="{ECC202EE-3819-4713-8143-21B0ADC0715B}"/>
+              </a:ext>
+            </a:extLst>
+          </p:cNvPr>
+          <p:cNvSpPr/>
+          <p:nvPr/>
+        </p:nvSpPr>
+        <p:spPr>
+          <a:xfrm rot="10800000">
+            <a:off x="4929915" y="3827213"/>
+            <a:ext cx="1234440" cy="271816"/>
+          </a:xfrm>
+          <a:prstGeom prst="rightArrow">
+            <a:avLst/>
+          </a:prstGeom>
+          <a:solidFill>
+            <a:schemeClr val="accent6">
+              <a:lumMod val="40000"/>
+              <a:lumOff val="60000"/>
+            </a:schemeClr>
+          </a:solidFill>
+          <a:ln>
+            <a:noFill/>
+          </a:ln>
+        </p:spPr>
+        <p:style>
+          <a:lnRef idx="2">
+            <a:schemeClr val="accent1">
+              <a:shade val="15000"/>
+            </a:schemeClr>
+          </a:lnRef>
+          <a:fillRef idx="1">
+            <a:schemeClr val="accent1"/>
+          </a:fillRef>
+          <a:effectRef idx="0">
+            <a:schemeClr val="accent1"/>
+          </a:effectRef>
+          <a:fontRef idx="minor">
+            <a:schemeClr val="lt1"/>
+          </a:fontRef>
+        </p:style>
+        <p:txBody>
+          <a:bodyPr rtlCol="0" anchor="ctr"/>
+          <a:lstStyle/>
+          <a:p>
+            <a:pPr algn="ctr"/>
+            <a:endParaRPr kumimoji="1" lang="ja-JP" altLang="en-US"/>
+          </a:p>
+        </p:txBody>
+      </p:sp>
+      <p:sp>
+        <p:nvSpPr>
+          <p:cNvPr id="9" name="テキスト ボックス 8">
+            <a:extLst>
+              <a:ext uri="{FF2B5EF4-FFF2-40B4-BE49-F238E27FC236}">
+                <a16:creationId xmlns:a16="http://schemas.microsoft.com/office/drawing/2014/main" id="{AA68D179-386F-F802-BD75-DD57BF94460C}"/>
+              </a:ext>
+            </a:extLst>
+          </p:cNvPr>
+          <p:cNvSpPr txBox="1"/>
+          <p:nvPr/>
+        </p:nvSpPr>
+        <p:spPr>
+          <a:xfrm>
+            <a:off x="4839248" y="3063243"/>
             <a:ext cx="1415772" cy="338554"/>
           </a:xfrm>
           <a:prstGeom prst="rect">
@@ -5616,12 +6039,8 @@
           <a:lstStyle/>
           <a:p>
             <a:r>
-              <a:rPr lang="en-US" altLang="ja-JP" sz="1600" dirty="0"/>
-              <a:t>②</a:t>
-            </a:r>
-            <a:r>
               <a:rPr lang="ja-JP" altLang="en-US" sz="1600"/>
-              <a:t>キーワード</a:t>
+              <a:t>キーワード等</a:t>
             </a:r>
             <a:endParaRPr kumimoji="1" lang="ja-JP" altLang="en-US" sz="1600"/>
           </a:p>
@@ -5629,10 +6048,10 @@
       </p:sp>
       <p:sp>
         <p:nvSpPr>
-          <p:cNvPr id="26" name="テキスト ボックス 25">
-            <a:extLst>
-              <a:ext uri="{FF2B5EF4-FFF2-40B4-BE49-F238E27FC236}">
-                <a16:creationId xmlns:a16="http://schemas.microsoft.com/office/drawing/2014/main" id="{0B946448-6801-5F73-A760-E944296069D8}"/>
+          <p:cNvPr id="11" name="テキスト ボックス 10">
+            <a:extLst>
+              <a:ext uri="{FF2B5EF4-FFF2-40B4-BE49-F238E27FC236}">
+                <a16:creationId xmlns:a16="http://schemas.microsoft.com/office/drawing/2014/main" id="{093A9B7A-BCB2-680A-A9B9-C488CA35DEB7}"/>
               </a:ext>
             </a:extLst>
           </p:cNvPr>
@@ -5641,8 +6060,8 @@
         </p:nvSpPr>
         <p:spPr>
           <a:xfrm>
-            <a:off x="6842981" y="3153472"/>
-            <a:ext cx="2262158" cy="369332"/>
+            <a:off x="4601168" y="4155997"/>
+            <a:ext cx="2031325" cy="584775"/>
           </a:xfrm>
           <a:prstGeom prst="rect">
             <a:avLst/>
@@ -5656,140 +6075,115 @@
           <a:lstStyle/>
           <a:p>
             <a:r>
-              <a:rPr kumimoji="1" lang="en-US" altLang="ja-JP" dirty="0"/>
-              <a:t>③</a:t>
-            </a:r>
-            <a:r>
-              <a:rPr kumimoji="1" lang="ja-JP" altLang="en-US"/>
-              <a:t>関連ドキュメント</a:t>
-            </a:r>
-          </a:p>
-        </p:txBody>
-      </p:sp>
-      <p:sp>
-        <p:nvSpPr>
-          <p:cNvPr id="27" name="テキスト ボックス 26">
-            <a:extLst>
-              <a:ext uri="{FF2B5EF4-FFF2-40B4-BE49-F238E27FC236}">
-                <a16:creationId xmlns:a16="http://schemas.microsoft.com/office/drawing/2014/main" id="{D60E3EFE-3652-7AC0-86C1-5EAE89164BB2}"/>
-              </a:ext>
-            </a:extLst>
-          </p:cNvPr>
-          <p:cNvSpPr txBox="1"/>
+              <a:rPr lang="ja-JP" altLang="en-US" sz="1600"/>
+              <a:t>おすすめタイトルや</a:t>
+            </a:r>
+            <a:endParaRPr lang="en-US" altLang="ja-JP" sz="1600" dirty="0"/>
+          </a:p>
+          <a:p>
+            <a:r>
+              <a:rPr kumimoji="1" lang="ja-JP" altLang="en-US" sz="1600"/>
+              <a:t>あらすじなど</a:t>
+            </a:r>
+          </a:p>
+        </p:txBody>
+      </p:sp>
+      <p:sp>
+        <p:nvSpPr>
+          <p:cNvPr id="29" name="円形吹き出し 28">
+            <a:extLst>
+              <a:ext uri="{FF2B5EF4-FFF2-40B4-BE49-F238E27FC236}">
+                <a16:creationId xmlns:a16="http://schemas.microsoft.com/office/drawing/2014/main" id="{427CA755-1430-5A15-EC8C-88D465DA8554}"/>
+              </a:ext>
+            </a:extLst>
+          </p:cNvPr>
+          <p:cNvSpPr/>
           <p:nvPr/>
         </p:nvSpPr>
         <p:spPr>
           <a:xfrm>
-            <a:off x="7265214" y="3872816"/>
-            <a:ext cx="2914580" cy="338554"/>
+            <a:off x="2636322" y="1290819"/>
+            <a:ext cx="4191990" cy="1232871"/>
           </a:xfrm>
-          <a:prstGeom prst="rect">
-            <a:avLst/>
+          <a:prstGeom prst="wedgeEllipseCallout">
+            <a:avLst>
+              <a:gd name="adj1" fmla="val 48860"/>
+              <a:gd name="adj2" fmla="val 85617"/>
+            </a:avLst>
           </a:prstGeom>
-          <a:noFill/>
+          <a:solidFill>
+            <a:schemeClr val="tx2">
+              <a:lumMod val="10000"/>
+              <a:lumOff val="90000"/>
+            </a:schemeClr>
+          </a:solidFill>
         </p:spPr>
-        <p:txBody>
-          <a:bodyPr wrap="none" rtlCol="0">
-            <a:spAutoFit/>
-          </a:bodyPr>
-          <a:lstStyle/>
-          <a:p>
-            <a:r>
-              <a:rPr lang="en-US" altLang="ja-JP" sz="1600" dirty="0"/>
-              <a:t>④</a:t>
-            </a:r>
-            <a:r>
-              <a:rPr lang="ja-JP" altLang="en-US" sz="1600"/>
-              <a:t>キーワード</a:t>
-            </a:r>
-            <a:r>
-              <a:rPr lang="en-US" altLang="ja-JP" sz="1600" dirty="0"/>
-              <a:t> + </a:t>
-            </a:r>
-            <a:r>
-              <a:rPr lang="ja-JP" altLang="en-US" sz="1600"/>
-              <a:t>ドキュメント</a:t>
-            </a:r>
-            <a:endParaRPr kumimoji="1" lang="ja-JP" altLang="en-US" sz="1600"/>
-          </a:p>
-        </p:txBody>
-      </p:sp>
-      <p:sp>
-        <p:nvSpPr>
-          <p:cNvPr id="28" name="テキスト ボックス 27">
-            <a:extLst>
-              <a:ext uri="{FF2B5EF4-FFF2-40B4-BE49-F238E27FC236}">
-                <a16:creationId xmlns:a16="http://schemas.microsoft.com/office/drawing/2014/main" id="{91BC1883-1606-1996-5E97-2DF849380199}"/>
-              </a:ext>
-            </a:extLst>
-          </p:cNvPr>
-          <p:cNvSpPr txBox="1"/>
-          <p:nvPr/>
-        </p:nvSpPr>
-        <p:spPr>
-          <a:xfrm>
-            <a:off x="5408642" y="5073119"/>
-            <a:ext cx="2262158" cy="369332"/>
-          </a:xfrm>
-          <a:prstGeom prst="rect">
-            <a:avLst/>
-          </a:prstGeom>
-          <a:noFill/>
-        </p:spPr>
-        <p:txBody>
-          <a:bodyPr wrap="none" rtlCol="0">
-            <a:spAutoFit/>
-          </a:bodyPr>
-          <a:lstStyle/>
-          <a:p>
-            <a:r>
-              <a:rPr kumimoji="1" lang="en-US" altLang="ja-JP" dirty="0"/>
-              <a:t>⑤</a:t>
-            </a:r>
-            <a:r>
-              <a:rPr kumimoji="1" lang="ja-JP" altLang="en-US"/>
-              <a:t>おすすめタイトル</a:t>
-            </a:r>
-          </a:p>
-        </p:txBody>
-      </p:sp>
-      <p:sp>
-        <p:nvSpPr>
-          <p:cNvPr id="30" name="テキスト ボックス 29">
-            <a:extLst>
-              <a:ext uri="{FF2B5EF4-FFF2-40B4-BE49-F238E27FC236}">
-                <a16:creationId xmlns:a16="http://schemas.microsoft.com/office/drawing/2014/main" id="{35A19516-9CBE-6709-1DF3-F51D3DD9C32A}"/>
-              </a:ext>
-            </a:extLst>
-          </p:cNvPr>
-          <p:cNvSpPr txBox="1"/>
-          <p:nvPr/>
-        </p:nvSpPr>
-        <p:spPr>
-          <a:xfrm>
-            <a:off x="2958515" y="4128552"/>
-            <a:ext cx="2031325" cy="338554"/>
-          </a:xfrm>
-          <a:prstGeom prst="rect">
-            <a:avLst/>
-          </a:prstGeom>
-          <a:noFill/>
-        </p:spPr>
-        <p:txBody>
-          <a:bodyPr wrap="none" rtlCol="0">
-            <a:spAutoFit/>
-          </a:bodyPr>
-          <a:lstStyle/>
-          <a:p>
-            <a:r>
-              <a:rPr lang="en-US" altLang="ja-JP" sz="1600" dirty="0"/>
-              <a:t>⑥</a:t>
-            </a:r>
-            <a:r>
-              <a:rPr lang="ja-JP" altLang="en-US" sz="1600"/>
-              <a:t>おすすめタイトル</a:t>
-            </a:r>
-            <a:endParaRPr kumimoji="1" lang="ja-JP" altLang="en-US" sz="1600"/>
+        <p:style>
+          <a:lnRef idx="2">
+            <a:schemeClr val="accent1">
+              <a:shade val="15000"/>
+            </a:schemeClr>
+          </a:lnRef>
+          <a:fillRef idx="1">
+            <a:schemeClr val="accent1"/>
+          </a:fillRef>
+          <a:effectRef idx="0">
+            <a:schemeClr val="accent1"/>
+          </a:effectRef>
+          <a:fontRef idx="minor">
+            <a:schemeClr val="lt1"/>
+          </a:fontRef>
+        </p:style>
+        <p:txBody>
+          <a:bodyPr rtlCol="0" anchor="ctr"/>
+          <a:lstStyle/>
+          <a:p>
+            <a:pPr algn="ctr"/>
+            <a:r>
+              <a:rPr kumimoji="1" lang="ja-JP" altLang="en-US">
+                <a:solidFill>
+                  <a:schemeClr val="tx1"/>
+                </a:solidFill>
+              </a:rPr>
+              <a:t>文章なのかキーワードなのかといった判断。</a:t>
+            </a:r>
+            <a:endParaRPr kumimoji="1" lang="en-US" altLang="ja-JP" dirty="0">
+              <a:solidFill>
+                <a:schemeClr val="tx1"/>
+              </a:solidFill>
+            </a:endParaRPr>
+          </a:p>
+          <a:p>
+            <a:pPr algn="ctr"/>
+            <a:r>
+              <a:rPr lang="ja-JP" altLang="en-US">
+                <a:solidFill>
+                  <a:schemeClr val="tx1"/>
+                </a:solidFill>
+              </a:rPr>
+              <a:t>文章なら先に</a:t>
+            </a:r>
+            <a:r>
+              <a:rPr lang="en-US" altLang="ja-JP" dirty="0">
+                <a:solidFill>
+                  <a:schemeClr val="tx1"/>
+                </a:solidFill>
+              </a:rPr>
+              <a:t>LLM</a:t>
+            </a:r>
+            <a:r>
+              <a:rPr lang="ja-JP" altLang="en-US">
+                <a:solidFill>
+                  <a:schemeClr val="tx1"/>
+                </a:solidFill>
+              </a:rPr>
+              <a:t>に通してキーワード化。</a:t>
+            </a:r>
+            <a:endParaRPr kumimoji="1" lang="ja-JP" altLang="en-US">
+              <a:solidFill>
+                <a:schemeClr val="tx1"/>
+              </a:solidFill>
+            </a:endParaRPr>
           </a:p>
         </p:txBody>
       </p:sp>

--- a/プレゼンテーション2.pptx
+++ b/プレゼンテーション2.pptx
@@ -6145,7 +6145,7 @@
                   <a:schemeClr val="tx1"/>
                 </a:solidFill>
               </a:rPr>
-              <a:t>文章なのかキーワードなのかといった判断。</a:t>
+              <a:t>・文章なのかキーワードなのかといった判断。</a:t>
             </a:r>
             <a:endParaRPr kumimoji="1" lang="en-US" altLang="ja-JP" dirty="0">
               <a:solidFill>
@@ -6161,25 +6161,9 @@
                   <a:schemeClr val="tx1"/>
                 </a:solidFill>
               </a:rPr>
-              <a:t>文章なら先に</a:t>
-            </a:r>
-            <a:r>
-              <a:rPr lang="en-US" altLang="ja-JP" dirty="0">
-                <a:solidFill>
-                  <a:schemeClr val="tx1"/>
-                </a:solidFill>
-              </a:rPr>
-              <a:t>LLM</a:t>
-            </a:r>
-            <a:r>
-              <a:rPr lang="ja-JP" altLang="en-US">
-                <a:solidFill>
-                  <a:schemeClr val="tx1"/>
-                </a:solidFill>
-              </a:rPr>
-              <a:t>に通してキーワード化。</a:t>
-            </a:r>
-            <a:endParaRPr kumimoji="1" lang="ja-JP" altLang="en-US">
+              <a:t>・情報が十分かの判断。</a:t>
+            </a:r>
+            <a:endParaRPr kumimoji="1" lang="en-US" altLang="ja-JP" dirty="0">
               <a:solidFill>
                 <a:schemeClr val="tx1"/>
               </a:solidFill>
